--- a/assets/Lectures/CS418-Lecture2-Webgl.pptx
+++ b/assets/Lectures/CS418-Lecture2-Webgl.pptx
@@ -141,10 +141,6 @@
 </p:presentation>
 </file>
 
-<file path=ppt/revisionInfo.xml><?xml version="1.0" encoding="utf-8"?>
-<p1510:revInfo xmlns:a="http://schemas.openxmlformats.org/drawingml/2006/main" xmlns:r="http://schemas.openxmlformats.org/officeDocument/2006/relationships" xmlns:p1510="http://schemas.microsoft.com/office/powerpoint/2015/10/main"/>
-</file>
-
 <file path=ppt/notesMasters/notesMaster1.xml><?xml version="1.0" encoding="utf-8"?>
 <p:notesMaster xmlns:a="http://schemas.openxmlformats.org/drawingml/2006/main" xmlns:r="http://schemas.openxmlformats.org/officeDocument/2006/relationships" xmlns:p="http://schemas.openxmlformats.org/presentationml/2006/main">
   <p:cSld>
@@ -227,7 +223,7 @@
           <a:p>
             <a:fld id="{564DAAA6-4117-4992-859F-BAA0EB4FC72C}" type="datetimeFigureOut">
               <a:rPr lang="en-US" smtClean="0"/>
-              <a:t>1/18/2018</a:t>
+              <a:t>1/17/2019</a:t>
             </a:fld>
             <a:endParaRPr lang="en-US"/>
           </a:p>
@@ -627,7 +623,7 @@
           <a:p>
             <a:fld id="{CF64A208-0694-964E-93B1-EAF2C4DF2BAD}" type="datetimeFigureOut">
               <a:rPr lang="en-US" smtClean="0"/>
-              <a:t>1/18/2018</a:t>
+              <a:t>1/17/2019</a:t>
             </a:fld>
             <a:endParaRPr lang="en-US"/>
           </a:p>
@@ -834,7 +830,7 @@
             <a:fld id="{CF64A208-0694-964E-93B1-EAF2C4DF2BAD}" type="datetimeFigureOut">
               <a:rPr lang="en-US" smtClean="0"/>
               <a:pPr/>
-              <a:t>1/18/2018</a:t>
+              <a:t>1/17/2019</a:t>
             </a:fld>
             <a:endParaRPr lang="en-US" dirty="0"/>
           </a:p>
@@ -1064,7 +1060,7 @@
             <a:fld id="{CF64A208-0694-964E-93B1-EAF2C4DF2BAD}" type="datetimeFigureOut">
               <a:rPr lang="en-US" smtClean="0"/>
               <a:pPr/>
-              <a:t>1/18/2018</a:t>
+              <a:t>1/17/2019</a:t>
             </a:fld>
             <a:endParaRPr lang="en-US" dirty="0"/>
           </a:p>
@@ -1277,7 +1273,7 @@
           <a:p>
             <a:fld id="{CF64A208-0694-964E-93B1-EAF2C4DF2BAD}" type="datetimeFigureOut">
               <a:rPr lang="en-US" smtClean="0"/>
-              <a:t>1/18/2018</a:t>
+              <a:t>1/17/2019</a:t>
             </a:fld>
             <a:endParaRPr lang="en-US"/>
           </a:p>
@@ -1532,7 +1528,7 @@
             <a:fld id="{CF64A208-0694-964E-93B1-EAF2C4DF2BAD}" type="datetimeFigureOut">
               <a:rPr lang="en-US" smtClean="0"/>
               <a:pPr/>
-              <a:t>1/18/2018</a:t>
+              <a:t>1/17/2019</a:t>
             </a:fld>
             <a:endParaRPr lang="en-US" dirty="0"/>
           </a:p>
@@ -1832,7 +1828,7 @@
           <a:p>
             <a:fld id="{CF64A208-0694-964E-93B1-EAF2C4DF2BAD}" type="datetimeFigureOut">
               <a:rPr lang="en-US" smtClean="0"/>
-              <a:t>1/18/2018</a:t>
+              <a:t>1/17/2019</a:t>
             </a:fld>
             <a:endParaRPr lang="en-US"/>
           </a:p>
@@ -2265,7 +2261,7 @@
             <a:fld id="{CF64A208-0694-964E-93B1-EAF2C4DF2BAD}" type="datetimeFigureOut">
               <a:rPr lang="en-US" smtClean="0"/>
               <a:pPr/>
-              <a:t>1/18/2018</a:t>
+              <a:t>1/17/2019</a:t>
             </a:fld>
             <a:endParaRPr lang="en-US" dirty="0"/>
           </a:p>
@@ -2408,7 +2404,7 @@
             <a:fld id="{CF64A208-0694-964E-93B1-EAF2C4DF2BAD}" type="datetimeFigureOut">
               <a:rPr lang="en-US" smtClean="0"/>
               <a:pPr/>
-              <a:t>1/18/2018</a:t>
+              <a:t>1/17/2019</a:t>
             </a:fld>
             <a:endParaRPr lang="en-US" dirty="0"/>
           </a:p>
@@ -2523,7 +2519,7 @@
             <a:fld id="{CF64A208-0694-964E-93B1-EAF2C4DF2BAD}" type="datetimeFigureOut">
               <a:rPr lang="en-US" smtClean="0"/>
               <a:pPr/>
-              <a:t>1/18/2018</a:t>
+              <a:t>1/17/2019</a:t>
             </a:fld>
             <a:endParaRPr lang="en-US" dirty="0"/>
           </a:p>
@@ -2832,7 +2828,7 @@
             <a:fld id="{CF64A208-0694-964E-93B1-EAF2C4DF2BAD}" type="datetimeFigureOut">
               <a:rPr lang="en-US" smtClean="0"/>
               <a:pPr/>
-              <a:t>1/18/2018</a:t>
+              <a:t>1/17/2019</a:t>
             </a:fld>
             <a:endParaRPr lang="en-US" dirty="0"/>
           </a:p>
@@ -3113,7 +3109,7 @@
             <a:fld id="{CF64A208-0694-964E-93B1-EAF2C4DF2BAD}" type="datetimeFigureOut">
               <a:rPr lang="en-US" smtClean="0"/>
               <a:pPr/>
-              <a:t>1/18/2018</a:t>
+              <a:t>1/17/2019</a:t>
             </a:fld>
             <a:endParaRPr lang="en-US" dirty="0"/>
           </a:p>
@@ -3337,7 +3333,7 @@
           <a:p>
             <a:fld id="{CF64A208-0694-964E-93B1-EAF2C4DF2BAD}" type="datetimeFigureOut">
               <a:rPr lang="en-US" smtClean="0"/>
-              <a:t>1/18/2018</a:t>
+              <a:t>1/17/2019</a:t>
             </a:fld>
             <a:endParaRPr lang="en-US"/>
           </a:p>
@@ -8758,7 +8754,7 @@
         <p:spPr>
           <a:xfrm>
             <a:off x="899491" y="1550504"/>
-            <a:ext cx="9407651" cy="3597139"/>
+            <a:ext cx="9407651" cy="2981585"/>
           </a:xfrm>
           <a:prstGeom prst="rect">
             <a:avLst/>
@@ -9420,74 +9416,6 @@
             <a:endParaRPr lang="en-US" sz="2400" dirty="0">
               <a:latin typeface="Lato" panose="020F0502020204030203" pitchFamily="34" charset="0"/>
               <a:cs typeface="Times New Roman"/>
-            </a:endParaRPr>
-          </a:p>
-          <a:p>
-            <a:pPr marL="251460">
-              <a:lnSpc>
-                <a:spcPts val="2370"/>
-              </a:lnSpc>
-              <a:buClr>
-                <a:srgbClr val="DF7602"/>
-              </a:buClr>
-              <a:tabLst>
-                <a:tab pos="594995" algn="l"/>
-              </a:tabLst>
-            </a:pPr>
-            <a:r>
-              <a:rPr sz="2100" dirty="0">
-                <a:solidFill>
-                  <a:srgbClr val="585858"/>
-                </a:solidFill>
-                <a:latin typeface="Lato" panose="020F0502020204030203" pitchFamily="34" charset="0"/>
-                <a:cs typeface="Century Gothic"/>
-              </a:rPr>
-              <a:t>You can grab code</a:t>
-            </a:r>
-            <a:r>
-              <a:rPr sz="2100" spc="-40" dirty="0">
-                <a:solidFill>
-                  <a:srgbClr val="585858"/>
-                </a:solidFill>
-                <a:latin typeface="Lato" panose="020F0502020204030203" pitchFamily="34" charset="0"/>
-                <a:cs typeface="Century Gothic"/>
-              </a:rPr>
-              <a:t> </a:t>
-            </a:r>
-            <a:r>
-              <a:rPr sz="2100" dirty="0">
-                <a:solidFill>
-                  <a:srgbClr val="585858"/>
-                </a:solidFill>
-                <a:latin typeface="Lato" panose="020F0502020204030203" pitchFamily="34" charset="0"/>
-                <a:cs typeface="Century Gothic"/>
-              </a:rPr>
-              <a:t>from</a:t>
-            </a:r>
-            <a:endParaRPr sz="2100" dirty="0">
-              <a:latin typeface="Lato" panose="020F0502020204030203" pitchFamily="34" charset="0"/>
-              <a:cs typeface="Century Gothic"/>
-            </a:endParaRPr>
-          </a:p>
-          <a:p>
-            <a:pPr algn="ctr">
-              <a:lnSpc>
-                <a:spcPts val="2370"/>
-              </a:lnSpc>
-            </a:pPr>
-            <a:r>
-              <a:rPr sz="2100" spc="-5" dirty="0">
-                <a:solidFill>
-                  <a:srgbClr val="585858"/>
-                </a:solidFill>
-                <a:latin typeface="Lato" panose="020F0502020204030203" pitchFamily="34" charset="0"/>
-                <a:cs typeface="Century Gothic"/>
-              </a:rPr>
-              <a:t>https://courses.engr.illinois.edu/cs418/Examples/HelloTriangle.html</a:t>
-            </a:r>
-            <a:endParaRPr sz="2100" dirty="0">
-              <a:latin typeface="Lato" panose="020F0502020204030203" pitchFamily="34" charset="0"/>
-              <a:cs typeface="Century Gothic"/>
             </a:endParaRPr>
           </a:p>
         </p:txBody>
